--- a/slides/Week6.pptx
+++ b/slides/Week6.pptx
@@ -5170,8 +5170,13 @@
           <a:p>
             <a:r>
               <a:rPr lang="en-US" dirty="0"/>
-              <a:t>Smoothing (filtering) is almost necessary step in data analysis. Fitting a low-order polynomial (or even a line) can be a method to remove the unwanted noises. </a:t>
-            </a:r>
+              <a:t>Smoothing (filtering) is almost necessary step in data analysis. Fitting a low-order polynomial (or even a line) can be a method to remove the unwanted noises (or high </a:t>
+            </a:r>
+            <a:r>
+              <a:rPr lang="en-US"/>
+              <a:t>frequency signal). </a:t>
+            </a:r>
+            <a:endParaRPr lang="en-US" dirty="0"/>
           </a:p>
         </p:txBody>
       </p:sp>
@@ -5467,8 +5472,8 @@
         </p:blipFill>
         <p:spPr bwMode="auto">
           <a:xfrm>
-            <a:off x="3088763" y="1476227"/>
-            <a:ext cx="2065689" cy="2865696"/>
+            <a:off x="4976830" y="427616"/>
+            <a:ext cx="3201970" cy="4442040"/>
           </a:xfrm>
           <a:prstGeom prst="rect">
             <a:avLst/>
@@ -5514,55 +5519,8 @@
         </p:blipFill>
         <p:spPr bwMode="auto">
           <a:xfrm>
-            <a:off x="300226" y="1875753"/>
-            <a:ext cx="2586310" cy="1866298"/>
-          </a:xfrm>
-          <a:prstGeom prst="rect">
-            <a:avLst/>
-          </a:prstGeom>
-          <a:noFill/>
-          <a:extLst>
-            <a:ext uri="{909E8E84-426E-40DD-AFC4-6F175D3DCCD1}">
-              <a14:hiddenFill xmlns:a14="http://schemas.microsoft.com/office/drawing/2010/main">
-                <a:solidFill>
-                  <a:srgbClr val="FFFFFF"/>
-                </a:solidFill>
-              </a14:hiddenFill>
-            </a:ext>
-          </a:extLst>
-        </p:spPr>
-      </p:pic>
-      <p:pic>
-        <p:nvPicPr>
-          <p:cNvPr id="6" name="Picture 2" descr="Arctic and Antarctic Sea Ice Extent, 1979-2009">
-            <a:extLst>
-              <a:ext uri="{FF2B5EF4-FFF2-40B4-BE49-F238E27FC236}">
-                <a16:creationId xmlns:a16="http://schemas.microsoft.com/office/drawing/2014/main" id="{35B2F3A7-3CC2-3541-B2F0-7FADE543814C}"/>
-              </a:ext>
-            </a:extLst>
-          </p:cNvPr>
-          <p:cNvPicPr>
-            <a:picLocks noChangeAspect="1" noChangeArrowheads="1"/>
-          </p:cNvPicPr>
-          <p:nvPr/>
-        </p:nvPicPr>
-        <p:blipFill>
-          <a:blip r:embed="rId5">
-            <a:extLst>
-              <a:ext uri="{28A0092B-C50C-407E-A947-70E740481C1C}">
-                <a14:useLocalDpi xmlns:a14="http://schemas.microsoft.com/office/drawing/2010/main" val="0"/>
-              </a:ext>
-            </a:extLst>
-          </a:blip>
-          <a:srcRect/>
-          <a:stretch>
-            <a:fillRect/>
-          </a:stretch>
-        </p:blipFill>
-        <p:spPr bwMode="auto">
-          <a:xfrm>
-            <a:off x="5304625" y="1371968"/>
-            <a:ext cx="3473981" cy="2554220"/>
+            <a:off x="774359" y="1443952"/>
+            <a:ext cx="3572187" cy="2577713"/>
           </a:xfrm>
           <a:prstGeom prst="rect">
             <a:avLst/>
@@ -8728,10 +8686,10 @@
       </p:sp>
       <p:pic>
         <p:nvPicPr>
-          <p:cNvPr id="4" name="Picture 3">
-            <a:extLst>
-              <a:ext uri="{FF2B5EF4-FFF2-40B4-BE49-F238E27FC236}">
-                <a16:creationId xmlns:a16="http://schemas.microsoft.com/office/drawing/2014/main" id="{D9C3AFCA-B993-A749-8351-ADA33B2418B3}"/>
+          <p:cNvPr id="5" name="Picture 4">
+            <a:extLst>
+              <a:ext uri="{FF2B5EF4-FFF2-40B4-BE49-F238E27FC236}">
+                <a16:creationId xmlns:a16="http://schemas.microsoft.com/office/drawing/2014/main" id="{0A1C0EBA-74BE-459A-B2E5-EC0454739B49}"/>
               </a:ext>
             </a:extLst>
           </p:cNvPr>
@@ -8740,16 +8698,15 @@
           </p:cNvPicPr>
           <p:nvPr/>
         </p:nvPicPr>
-        <p:blipFill>
+        <p:blipFill rotWithShape="1">
           <a:blip r:embed="rId2"/>
-          <a:stretch>
-            <a:fillRect/>
-          </a:stretch>
+          <a:srcRect l="14095"/>
+          <a:stretch/>
         </p:blipFill>
         <p:spPr>
           <a:xfrm>
-            <a:off x="112305" y="1428205"/>
-            <a:ext cx="4585314" cy="3351893"/>
+            <a:off x="24384" y="1597152"/>
+            <a:ext cx="4859100" cy="3182946"/>
           </a:xfrm>
           <a:prstGeom prst="rect">
             <a:avLst/>
@@ -8758,10 +8715,10 @@
       </p:pic>
       <p:pic>
         <p:nvPicPr>
-          <p:cNvPr id="1026" name="Picture 2">
-            <a:extLst>
-              <a:ext uri="{FF2B5EF4-FFF2-40B4-BE49-F238E27FC236}">
-                <a16:creationId xmlns:a16="http://schemas.microsoft.com/office/drawing/2014/main" id="{CD6613E1-25DD-5D41-9BC9-BE6B86D2CCA4}"/>
+          <p:cNvPr id="6" name="Picture 2">
+            <a:extLst>
+              <a:ext uri="{FF2B5EF4-FFF2-40B4-BE49-F238E27FC236}">
+                <a16:creationId xmlns:a16="http://schemas.microsoft.com/office/drawing/2014/main" id="{632BE381-6C2E-1056-63B3-52EDE3CE86F5}"/>
               </a:ext>
             </a:extLst>
           </p:cNvPr>
@@ -8785,8 +8742,8 @@
         </p:blipFill>
         <p:spPr bwMode="auto">
           <a:xfrm>
-            <a:off x="4784090" y="2022133"/>
-            <a:ext cx="4063819" cy="2757965"/>
+            <a:off x="4865570" y="1901952"/>
+            <a:ext cx="4254045" cy="2865192"/>
           </a:xfrm>
           <a:prstGeom prst="rect">
             <a:avLst/>

--- a/slides/Week6.pptx
+++ b/slides/Week6.pptx
@@ -5,7 +5,7 @@
     <p:sldMasterId id="2147483744" r:id="rId1"/>
   </p:sldMasterIdLst>
   <p:notesMasterIdLst>
-    <p:notesMasterId r:id="rId36"/>
+    <p:notesMasterId r:id="rId37"/>
   </p:notesMasterIdLst>
   <p:sldIdLst>
     <p:sldId id="256" r:id="rId2"/>
@@ -37,11 +37,12 @@
     <p:sldId id="271" r:id="rId28"/>
     <p:sldId id="273" r:id="rId29"/>
     <p:sldId id="274" r:id="rId30"/>
-    <p:sldId id="375" r:id="rId31"/>
-    <p:sldId id="376" r:id="rId32"/>
-    <p:sldId id="377" r:id="rId33"/>
-    <p:sldId id="378" r:id="rId34"/>
-    <p:sldId id="379" r:id="rId35"/>
+    <p:sldId id="380" r:id="rId31"/>
+    <p:sldId id="375" r:id="rId32"/>
+    <p:sldId id="376" r:id="rId33"/>
+    <p:sldId id="377" r:id="rId34"/>
+    <p:sldId id="378" r:id="rId35"/>
+    <p:sldId id="379" r:id="rId36"/>
   </p:sldIdLst>
   <p:sldSz cx="9144000" cy="5143500" type="screen16x9"/>
   <p:notesSz cx="6858000" cy="9144000"/>
@@ -5170,13 +5171,8 @@
           <a:p>
             <a:r>
               <a:rPr lang="en-US" dirty="0"/>
-              <a:t>Smoothing (filtering) is almost necessary step in data analysis. Fitting a low-order polynomial (or even a line) can be a method to remove the unwanted noises (or high </a:t>
-            </a:r>
-            <a:r>
-              <a:rPr lang="en-US"/>
-              <a:t>frequency signal). </a:t>
-            </a:r>
-            <a:endParaRPr lang="en-US" dirty="0"/>
+              <a:t>Smoothing (filtering) is almost necessary step in data analysis. Fitting a low-order polynomial (or even a line) can be a method to remove the unwanted noises (or high frequency signal). </a:t>
+            </a:r>
           </a:p>
         </p:txBody>
       </p:sp>
@@ -8645,51 +8641,12 @@
           <a:chExt cx="0" cy="0"/>
         </a:xfrm>
       </p:grpSpPr>
-      <p:sp>
-        <p:nvSpPr>
-          <p:cNvPr id="2" name="Title 1">
-            <a:extLst>
-              <a:ext uri="{FF2B5EF4-FFF2-40B4-BE49-F238E27FC236}">
-                <a16:creationId xmlns:a16="http://schemas.microsoft.com/office/drawing/2014/main" id="{1F4B79E0-DE86-464D-B543-CC026ACB18CA}"/>
-              </a:ext>
-            </a:extLst>
-          </p:cNvPr>
-          <p:cNvSpPr>
-            <a:spLocks noGrp="1"/>
-          </p:cNvSpPr>
-          <p:nvPr>
-            <p:ph type="title"/>
-          </p:nvPr>
-        </p:nvSpPr>
-        <p:spPr>
-          <a:xfrm>
-            <a:off x="628650" y="125798"/>
-            <a:ext cx="7886700" cy="994172"/>
-          </a:xfrm>
-        </p:spPr>
-        <p:txBody>
-          <a:bodyPr>
-            <a:normAutofit fontScale="90000"/>
-          </a:bodyPr>
-          <a:lstStyle/>
-          <a:p>
-            <a:pPr algn="ctr"/>
-            <a:br>
-              <a:rPr lang="en-US" dirty="0"/>
-            </a:br>
-            <a:r>
-              <a:rPr lang="en-US" dirty="0"/>
-              <a:t>example: Atmospheric CO2 data</a:t>
-            </a:r>
-          </a:p>
-        </p:txBody>
-      </p:sp>
       <p:pic>
         <p:nvPicPr>
-          <p:cNvPr id="5" name="Picture 4">
-            <a:extLst>
-              <a:ext uri="{FF2B5EF4-FFF2-40B4-BE49-F238E27FC236}">
-                <a16:creationId xmlns:a16="http://schemas.microsoft.com/office/drawing/2014/main" id="{0A1C0EBA-74BE-459A-B2E5-EC0454739B49}"/>
+          <p:cNvPr id="3" name="Picture 2">
+            <a:extLst>
+              <a:ext uri="{FF2B5EF4-FFF2-40B4-BE49-F238E27FC236}">
+                <a16:creationId xmlns:a16="http://schemas.microsoft.com/office/drawing/2014/main" id="{ECFC0B5A-D970-1C45-6208-E26C8F2327E0}"/>
               </a:ext>
             </a:extLst>
           </p:cNvPr>
@@ -8698,72 +8655,78 @@
           </p:cNvPicPr>
           <p:nvPr/>
         </p:nvPicPr>
-        <p:blipFill rotWithShape="1">
+        <p:blipFill>
           <a:blip r:embed="rId2"/>
-          <a:srcRect l="14095"/>
-          <a:stretch/>
-        </p:blipFill>
-        <p:spPr>
-          <a:xfrm>
-            <a:off x="24384" y="1597152"/>
-            <a:ext cx="4859100" cy="3182946"/>
-          </a:xfrm>
-          <a:prstGeom prst="rect">
-            <a:avLst/>
-          </a:prstGeom>
-        </p:spPr>
-      </p:pic>
-      <p:pic>
-        <p:nvPicPr>
-          <p:cNvPr id="6" name="Picture 2">
-            <a:extLst>
-              <a:ext uri="{FF2B5EF4-FFF2-40B4-BE49-F238E27FC236}">
-                <a16:creationId xmlns:a16="http://schemas.microsoft.com/office/drawing/2014/main" id="{632BE381-6C2E-1056-63B3-52EDE3CE86F5}"/>
-              </a:ext>
-            </a:extLst>
-          </p:cNvPr>
-          <p:cNvPicPr>
-            <a:picLocks noChangeAspect="1" noChangeArrowheads="1"/>
-          </p:cNvPicPr>
-          <p:nvPr/>
-        </p:nvPicPr>
-        <p:blipFill>
-          <a:blip r:embed="rId3">
-            <a:extLst>
-              <a:ext uri="{28A0092B-C50C-407E-A947-70E740481C1C}">
-                <a14:useLocalDpi xmlns:a14="http://schemas.microsoft.com/office/drawing/2010/main" val="0"/>
-              </a:ext>
-            </a:extLst>
-          </a:blip>
-          <a:srcRect/>
           <a:stretch>
             <a:fillRect/>
           </a:stretch>
         </p:blipFill>
-        <p:spPr bwMode="auto">
-          <a:xfrm>
-            <a:off x="4865570" y="1901952"/>
-            <a:ext cx="4254045" cy="2865192"/>
+        <p:spPr>
+          <a:xfrm>
+            <a:off x="995932" y="0"/>
+            <a:ext cx="7152135" cy="5143500"/>
           </a:xfrm>
           <a:prstGeom prst="rect">
             <a:avLst/>
           </a:prstGeom>
+        </p:spPr>
+      </p:pic>
+      <p:sp>
+        <p:nvSpPr>
+          <p:cNvPr id="4" name="Rectangle 3">
+            <a:extLst>
+              <a:ext uri="{FF2B5EF4-FFF2-40B4-BE49-F238E27FC236}">
+                <a16:creationId xmlns:a16="http://schemas.microsoft.com/office/drawing/2014/main" id="{C1B48297-21F3-30E4-9216-90C69DBE7092}"/>
+              </a:ext>
+            </a:extLst>
+          </p:cNvPr>
+          <p:cNvSpPr/>
+          <p:nvPr/>
+        </p:nvSpPr>
+        <p:spPr>
+          <a:xfrm>
+            <a:off x="1499616" y="3938016"/>
+            <a:ext cx="3072384" cy="243840"/>
+          </a:xfrm>
+          <a:prstGeom prst="rect">
+            <a:avLst/>
+          </a:prstGeom>
           <a:noFill/>
-          <a:extLst>
-            <a:ext uri="{909E8E84-426E-40DD-AFC4-6F175D3DCCD1}">
-              <a14:hiddenFill xmlns:a14="http://schemas.microsoft.com/office/drawing/2010/main">
-                <a:solidFill>
-                  <a:srgbClr val="FFFFFF"/>
-                </a:solidFill>
-              </a14:hiddenFill>
-            </a:ext>
-          </a:extLst>
-        </p:spPr>
-      </p:pic>
+          <a:ln w="19050">
+            <a:solidFill>
+              <a:srgbClr val="FF0000"/>
+            </a:solidFill>
+          </a:ln>
+        </p:spPr>
+        <p:style>
+          <a:lnRef idx="2">
+            <a:schemeClr val="accent1">
+              <a:shade val="50000"/>
+            </a:schemeClr>
+          </a:lnRef>
+          <a:fillRef idx="1">
+            <a:schemeClr val="accent1"/>
+          </a:fillRef>
+          <a:effectRef idx="0">
+            <a:schemeClr val="accent1"/>
+          </a:effectRef>
+          <a:fontRef idx="minor">
+            <a:schemeClr val="lt1"/>
+          </a:fontRef>
+        </p:style>
+        <p:txBody>
+          <a:bodyPr rtlCol="0" anchor="ctr"/>
+          <a:lstStyle/>
+          <a:p>
+            <a:pPr algn="ctr"/>
+            <a:endParaRPr lang="en-US"/>
+          </a:p>
+        </p:txBody>
+      </p:sp>
     </p:spTree>
     <p:extLst>
       <p:ext uri="{BB962C8B-B14F-4D97-AF65-F5344CB8AC3E}">
-        <p14:creationId xmlns:p14="http://schemas.microsoft.com/office/powerpoint/2010/main" val="2199066375"/>
+        <p14:creationId xmlns:p14="http://schemas.microsoft.com/office/powerpoint/2010/main" val="3040438259"/>
       </p:ext>
     </p:extLst>
   </p:cSld>
@@ -8790,41 +8753,80 @@
           <a:chExt cx="0" cy="0"/>
         </a:xfrm>
       </p:grpSpPr>
+      <p:sp>
+        <p:nvSpPr>
+          <p:cNvPr id="2" name="Title 1">
+            <a:extLst>
+              <a:ext uri="{FF2B5EF4-FFF2-40B4-BE49-F238E27FC236}">
+                <a16:creationId xmlns:a16="http://schemas.microsoft.com/office/drawing/2014/main" id="{1F4B79E0-DE86-464D-B543-CC026ACB18CA}"/>
+              </a:ext>
+            </a:extLst>
+          </p:cNvPr>
+          <p:cNvSpPr>
+            <a:spLocks noGrp="1"/>
+          </p:cNvSpPr>
+          <p:nvPr>
+            <p:ph type="title"/>
+          </p:nvPr>
+        </p:nvSpPr>
+        <p:spPr>
+          <a:xfrm>
+            <a:off x="628650" y="125798"/>
+            <a:ext cx="7886700" cy="994172"/>
+          </a:xfrm>
+        </p:spPr>
+        <p:txBody>
+          <a:bodyPr>
+            <a:normAutofit fontScale="90000"/>
+          </a:bodyPr>
+          <a:lstStyle/>
+          <a:p>
+            <a:pPr algn="ctr"/>
+            <a:br>
+              <a:rPr lang="en-US" dirty="0"/>
+            </a:br>
+            <a:r>
+              <a:rPr lang="en-US" dirty="0"/>
+              <a:t>example: Atmospheric CO2 data</a:t>
+            </a:r>
+          </a:p>
+        </p:txBody>
+      </p:sp>
       <p:pic>
         <p:nvPicPr>
-          <p:cNvPr id="5" name="Content Placeholder 4">
-            <a:extLst>
-              <a:ext uri="{FF2B5EF4-FFF2-40B4-BE49-F238E27FC236}">
-                <a16:creationId xmlns:a16="http://schemas.microsoft.com/office/drawing/2014/main" id="{41290FF5-47FA-4446-B5A3-955707866CB5}"/>
+          <p:cNvPr id="5" name="Picture 4">
+            <a:extLst>
+              <a:ext uri="{FF2B5EF4-FFF2-40B4-BE49-F238E27FC236}">
+                <a16:creationId xmlns:a16="http://schemas.microsoft.com/office/drawing/2014/main" id="{0A1C0EBA-74BE-459A-B2E5-EC0454739B49}"/>
               </a:ext>
             </a:extLst>
           </p:cNvPr>
           <p:cNvPicPr>
-            <a:picLocks noGrp="1" noChangeAspect="1"/>
+            <a:picLocks noChangeAspect="1"/>
           </p:cNvPicPr>
-          <p:nvPr>
-            <p:ph idx="1"/>
-          </p:nvPr>
+          <p:nvPr/>
         </p:nvPicPr>
-        <p:blipFill>
+        <p:blipFill rotWithShape="1">
           <a:blip r:embed="rId2"/>
-          <a:stretch>
-            <a:fillRect/>
-          </a:stretch>
+          <a:srcRect l="14095"/>
+          <a:stretch/>
         </p:blipFill>
         <p:spPr>
           <a:xfrm>
-            <a:off x="-17418" y="1378717"/>
-            <a:ext cx="4826635" cy="3541622"/>
-          </a:xfrm>
+            <a:off x="24384" y="1597152"/>
+            <a:ext cx="4859100" cy="3182946"/>
+          </a:xfrm>
+          <a:prstGeom prst="rect">
+            <a:avLst/>
+          </a:prstGeom>
         </p:spPr>
       </p:pic>
       <p:pic>
         <p:nvPicPr>
-          <p:cNvPr id="2050" name="Picture 2">
-            <a:extLst>
-              <a:ext uri="{FF2B5EF4-FFF2-40B4-BE49-F238E27FC236}">
-                <a16:creationId xmlns:a16="http://schemas.microsoft.com/office/drawing/2014/main" id="{D681722D-DCF1-FB4E-93F6-0E2376E8E55F}"/>
+          <p:cNvPr id="6" name="Picture 2">
+            <a:extLst>
+              <a:ext uri="{FF2B5EF4-FFF2-40B4-BE49-F238E27FC236}">
+                <a16:creationId xmlns:a16="http://schemas.microsoft.com/office/drawing/2014/main" id="{632BE381-6C2E-1056-63B3-52EDE3CE86F5}"/>
               </a:ext>
             </a:extLst>
           </p:cNvPr>
@@ -8848,8 +8850,8 @@
         </p:blipFill>
         <p:spPr bwMode="auto">
           <a:xfrm>
-            <a:off x="4900353" y="1709643"/>
-            <a:ext cx="4153475" cy="2818811"/>
+            <a:off x="4865570" y="1901952"/>
+            <a:ext cx="4254045" cy="2865192"/>
           </a:xfrm>
           <a:prstGeom prst="rect">
             <a:avLst/>
@@ -8866,49 +8868,10 @@
           </a:extLst>
         </p:spPr>
       </p:pic>
-      <p:sp>
-        <p:nvSpPr>
-          <p:cNvPr id="7" name="Title 1">
-            <a:extLst>
-              <a:ext uri="{FF2B5EF4-FFF2-40B4-BE49-F238E27FC236}">
-                <a16:creationId xmlns:a16="http://schemas.microsoft.com/office/drawing/2014/main" id="{8849DCEF-9A91-9C4E-B150-863810FEE374}"/>
-              </a:ext>
-            </a:extLst>
-          </p:cNvPr>
-          <p:cNvSpPr>
-            <a:spLocks noGrp="1"/>
-          </p:cNvSpPr>
-          <p:nvPr>
-            <p:ph type="title"/>
-          </p:nvPr>
-        </p:nvSpPr>
-        <p:spPr>
-          <a:xfrm>
-            <a:off x="628650" y="125798"/>
-            <a:ext cx="7886700" cy="994172"/>
-          </a:xfrm>
-        </p:spPr>
-        <p:txBody>
-          <a:bodyPr>
-            <a:normAutofit fontScale="90000"/>
-          </a:bodyPr>
-          <a:lstStyle/>
-          <a:p>
-            <a:pPr algn="ctr"/>
-            <a:br>
-              <a:rPr lang="en-US" dirty="0"/>
-            </a:br>
-            <a:r>
-              <a:rPr lang="en-US" dirty="0"/>
-              <a:t>Linear regression</a:t>
-            </a:r>
-          </a:p>
-        </p:txBody>
-      </p:sp>
     </p:spTree>
     <p:extLst>
       <p:ext uri="{BB962C8B-B14F-4D97-AF65-F5344CB8AC3E}">
-        <p14:creationId xmlns:p14="http://schemas.microsoft.com/office/powerpoint/2010/main" val="3484712500"/>
+        <p14:creationId xmlns:p14="http://schemas.microsoft.com/office/powerpoint/2010/main" val="2199066375"/>
       </p:ext>
     </p:extLst>
   </p:cSld>
@@ -8935,19 +8898,60 @@
           <a:chExt cx="0" cy="0"/>
         </a:xfrm>
       </p:grpSpPr>
+      <p:sp>
+        <p:nvSpPr>
+          <p:cNvPr id="7" name="Title 1">
+            <a:extLst>
+              <a:ext uri="{FF2B5EF4-FFF2-40B4-BE49-F238E27FC236}">
+                <a16:creationId xmlns:a16="http://schemas.microsoft.com/office/drawing/2014/main" id="{8849DCEF-9A91-9C4E-B150-863810FEE374}"/>
+              </a:ext>
+            </a:extLst>
+          </p:cNvPr>
+          <p:cNvSpPr>
+            <a:spLocks noGrp="1"/>
+          </p:cNvSpPr>
+          <p:nvPr>
+            <p:ph type="title"/>
+          </p:nvPr>
+        </p:nvSpPr>
+        <p:spPr>
+          <a:xfrm>
+            <a:off x="628650" y="125798"/>
+            <a:ext cx="7886700" cy="994172"/>
+          </a:xfrm>
+        </p:spPr>
+        <p:txBody>
+          <a:bodyPr>
+            <a:normAutofit fontScale="90000"/>
+          </a:bodyPr>
+          <a:lstStyle/>
+          <a:p>
+            <a:pPr algn="ctr"/>
+            <a:br>
+              <a:rPr lang="en-US" dirty="0"/>
+            </a:br>
+            <a:r>
+              <a:rPr lang="en-US" dirty="0"/>
+              <a:t>Linear regression</a:t>
+            </a:r>
+          </a:p>
+        </p:txBody>
+      </p:sp>
       <p:pic>
         <p:nvPicPr>
-          <p:cNvPr id="6" name="Picture 5">
-            <a:extLst>
-              <a:ext uri="{FF2B5EF4-FFF2-40B4-BE49-F238E27FC236}">
-                <a16:creationId xmlns:a16="http://schemas.microsoft.com/office/drawing/2014/main" id="{5DF82DA1-0536-2E4F-B087-940B77AD3AE8}"/>
+          <p:cNvPr id="6" name="Content Placeholder 5">
+            <a:extLst>
+              <a:ext uri="{FF2B5EF4-FFF2-40B4-BE49-F238E27FC236}">
+                <a16:creationId xmlns:a16="http://schemas.microsoft.com/office/drawing/2014/main" id="{B98221CB-CD25-FB86-BC55-4F46590B4C94}"/>
               </a:ext>
             </a:extLst>
           </p:cNvPr>
           <p:cNvPicPr>
-            <a:picLocks noChangeAspect="1"/>
+            <a:picLocks noGrp="1" noChangeAspect="1"/>
           </p:cNvPicPr>
-          <p:nvPr/>
+          <p:nvPr>
+            <p:ph idx="1"/>
+          </p:nvPr>
         </p:nvPicPr>
         <p:blipFill>
           <a:blip r:embed="rId2"/>
@@ -8957,20 +8961,17 @@
         </p:blipFill>
         <p:spPr>
           <a:xfrm>
-            <a:off x="0" y="1332410"/>
-            <a:ext cx="4644504" cy="3535681"/>
-          </a:xfrm>
-          <a:prstGeom prst="rect">
-            <a:avLst/>
-          </a:prstGeom>
+            <a:off x="352777" y="1119970"/>
+            <a:ext cx="3499895" cy="4034362"/>
+          </a:xfrm>
         </p:spPr>
       </p:pic>
       <p:pic>
         <p:nvPicPr>
-          <p:cNvPr id="3074" name="Picture 2">
-            <a:extLst>
-              <a:ext uri="{FF2B5EF4-FFF2-40B4-BE49-F238E27FC236}">
-                <a16:creationId xmlns:a16="http://schemas.microsoft.com/office/drawing/2014/main" id="{8980BE44-0AFC-DE45-82E1-45E81C5CBBA5}"/>
+          <p:cNvPr id="8" name="Picture 2">
+            <a:extLst>
+              <a:ext uri="{FF2B5EF4-FFF2-40B4-BE49-F238E27FC236}">
+                <a16:creationId xmlns:a16="http://schemas.microsoft.com/office/drawing/2014/main" id="{906D345A-F120-8113-022E-1314FAA688F7}"/>
               </a:ext>
             </a:extLst>
           </p:cNvPr>
@@ -8994,8 +8995,8 @@
         </p:blipFill>
         <p:spPr bwMode="auto">
           <a:xfrm>
-            <a:off x="4749965" y="1500594"/>
-            <a:ext cx="4269030" cy="2897234"/>
+            <a:off x="4101338" y="1566418"/>
+            <a:ext cx="4940300" cy="3327400"/>
           </a:xfrm>
           <a:prstGeom prst="rect">
             <a:avLst/>
@@ -9012,49 +9013,10 @@
           </a:extLst>
         </p:spPr>
       </p:pic>
-      <p:sp>
-        <p:nvSpPr>
-          <p:cNvPr id="9" name="Title 1">
-            <a:extLst>
-              <a:ext uri="{FF2B5EF4-FFF2-40B4-BE49-F238E27FC236}">
-                <a16:creationId xmlns:a16="http://schemas.microsoft.com/office/drawing/2014/main" id="{28C733CC-15B0-DB4B-AD0B-BBFA2369D877}"/>
-              </a:ext>
-            </a:extLst>
-          </p:cNvPr>
-          <p:cNvSpPr>
-            <a:spLocks noGrp="1"/>
-          </p:cNvSpPr>
-          <p:nvPr>
-            <p:ph type="title"/>
-          </p:nvPr>
-        </p:nvSpPr>
-        <p:spPr>
-          <a:xfrm>
-            <a:off x="628650" y="125798"/>
-            <a:ext cx="7886700" cy="994172"/>
-          </a:xfrm>
-        </p:spPr>
-        <p:txBody>
-          <a:bodyPr>
-            <a:normAutofit fontScale="90000"/>
-          </a:bodyPr>
-          <a:lstStyle/>
-          <a:p>
-            <a:pPr algn="ctr"/>
-            <a:br>
-              <a:rPr lang="en-US" dirty="0"/>
-            </a:br>
-            <a:r>
-              <a:rPr lang="en-US" dirty="0"/>
-              <a:t>Quadratic = 2nd order polynomial fit</a:t>
-            </a:r>
-          </a:p>
-        </p:txBody>
-      </p:sp>
     </p:spTree>
     <p:extLst>
       <p:ext uri="{BB962C8B-B14F-4D97-AF65-F5344CB8AC3E}">
-        <p14:creationId xmlns:p14="http://schemas.microsoft.com/office/powerpoint/2010/main" val="2356065057"/>
+        <p14:creationId xmlns:p14="http://schemas.microsoft.com/office/powerpoint/2010/main" val="3484712500"/>
       </p:ext>
     </p:extLst>
   </p:cSld>
@@ -9083,10 +9045,10 @@
       </p:grpSpPr>
       <p:sp>
         <p:nvSpPr>
-          <p:cNvPr id="2" name="Title 1">
-            <a:extLst>
-              <a:ext uri="{FF2B5EF4-FFF2-40B4-BE49-F238E27FC236}">
-                <a16:creationId xmlns:a16="http://schemas.microsoft.com/office/drawing/2014/main" id="{D56B2885-BE8D-8A45-AACF-2FEAD106F8CB}"/>
+          <p:cNvPr id="9" name="Title 1">
+            <a:extLst>
+              <a:ext uri="{FF2B5EF4-FFF2-40B4-BE49-F238E27FC236}">
+                <a16:creationId xmlns:a16="http://schemas.microsoft.com/office/drawing/2014/main" id="{28C733CC-15B0-DB4B-AD0B-BBFA2369D877}"/>
               </a:ext>
             </a:extLst>
           </p:cNvPr>
@@ -9097,24 +9059,35 @@
             <p:ph type="title"/>
           </p:nvPr>
         </p:nvSpPr>
-        <p:spPr/>
-        <p:txBody>
-          <a:bodyPr/>
-          <a:lstStyle/>
-          <a:p>
-            <a:r>
-              <a:rPr lang="en-US" dirty="0"/>
-              <a:t>Include sine/cosine terms</a:t>
+        <p:spPr>
+          <a:xfrm>
+            <a:off x="4986528" y="125798"/>
+            <a:ext cx="3528822" cy="994172"/>
+          </a:xfrm>
+        </p:spPr>
+        <p:txBody>
+          <a:bodyPr>
+            <a:normAutofit fontScale="90000"/>
+          </a:bodyPr>
+          <a:lstStyle/>
+          <a:p>
+            <a:pPr algn="ctr"/>
+            <a:br>
+              <a:rPr lang="en-US" dirty="0"/>
+            </a:br>
+            <a:r>
+              <a:rPr lang="en-US" dirty="0"/>
+              <a:t>Quadratic = 2nd order polynomial fit</a:t>
             </a:r>
           </a:p>
         </p:txBody>
       </p:sp>
       <p:pic>
         <p:nvPicPr>
-          <p:cNvPr id="6" name="Picture 5">
-            <a:extLst>
-              <a:ext uri="{FF2B5EF4-FFF2-40B4-BE49-F238E27FC236}">
-                <a16:creationId xmlns:a16="http://schemas.microsoft.com/office/drawing/2014/main" id="{F561EC4E-CF65-1C4D-A3DC-4D9F445EFCA3}"/>
+          <p:cNvPr id="3" name="Picture 2">
+            <a:extLst>
+              <a:ext uri="{FF2B5EF4-FFF2-40B4-BE49-F238E27FC236}">
+                <a16:creationId xmlns:a16="http://schemas.microsoft.com/office/drawing/2014/main" id="{C1AA7062-1D96-F5AC-459B-8845026E4677}"/>
               </a:ext>
             </a:extLst>
           </p:cNvPr>
@@ -9131,18 +9104,65 @@
         </p:blipFill>
         <p:spPr>
           <a:xfrm>
-            <a:off x="426720" y="1170666"/>
-            <a:ext cx="8035514" cy="3619048"/>
+            <a:off x="90948" y="0"/>
+            <a:ext cx="4524905" cy="5143500"/>
           </a:xfrm>
           <a:prstGeom prst="rect">
             <a:avLst/>
           </a:prstGeom>
+        </p:spPr>
+      </p:pic>
+      <p:pic>
+        <p:nvPicPr>
+          <p:cNvPr id="4" name="Picture 2">
+            <a:extLst>
+              <a:ext uri="{FF2B5EF4-FFF2-40B4-BE49-F238E27FC236}">
+                <a16:creationId xmlns:a16="http://schemas.microsoft.com/office/drawing/2014/main" id="{F3D2C996-1D41-9D44-05EC-827FB97B6A24}"/>
+              </a:ext>
+            </a:extLst>
+          </p:cNvPr>
+          <p:cNvPicPr>
+            <a:picLocks noChangeAspect="1" noChangeArrowheads="1"/>
+          </p:cNvPicPr>
+          <p:nvPr/>
+        </p:nvPicPr>
+        <p:blipFill>
+          <a:blip r:embed="rId3">
+            <a:extLst>
+              <a:ext uri="{28A0092B-C50C-407E-A947-70E740481C1C}">
+                <a14:useLocalDpi xmlns:a14="http://schemas.microsoft.com/office/drawing/2010/main" val="0"/>
+              </a:ext>
+            </a:extLst>
+          </a:blip>
+          <a:srcRect/>
+          <a:stretch>
+            <a:fillRect/>
+          </a:stretch>
+        </p:blipFill>
+        <p:spPr bwMode="auto">
+          <a:xfrm>
+            <a:off x="4556625" y="1548384"/>
+            <a:ext cx="4496427" cy="3028442"/>
+          </a:xfrm>
+          <a:prstGeom prst="rect">
+            <a:avLst/>
+          </a:prstGeom>
+          <a:noFill/>
+          <a:extLst>
+            <a:ext uri="{909E8E84-426E-40DD-AFC4-6F175D3DCCD1}">
+              <a14:hiddenFill xmlns:a14="http://schemas.microsoft.com/office/drawing/2010/main">
+                <a:solidFill>
+                  <a:srgbClr val="FFFFFF"/>
+                </a:solidFill>
+              </a14:hiddenFill>
+            </a:ext>
+          </a:extLst>
         </p:spPr>
       </p:pic>
     </p:spTree>
     <p:extLst>
       <p:ext uri="{BB962C8B-B14F-4D97-AF65-F5344CB8AC3E}">
-        <p14:creationId xmlns:p14="http://schemas.microsoft.com/office/powerpoint/2010/main" val="3089215315"/>
+        <p14:creationId xmlns:p14="http://schemas.microsoft.com/office/powerpoint/2010/main" val="2356065057"/>
       </p:ext>
     </p:extLst>
   </p:cSld>
@@ -9185,11 +9205,19 @@
             <p:ph type="title"/>
           </p:nvPr>
         </p:nvSpPr>
-        <p:spPr/>
-        <p:txBody>
-          <a:bodyPr/>
-          <a:lstStyle/>
-          <a:p>
+        <p:spPr>
+          <a:xfrm>
+            <a:off x="341376" y="0"/>
+            <a:ext cx="7698486" cy="994172"/>
+          </a:xfrm>
+        </p:spPr>
+        <p:txBody>
+          <a:bodyPr>
+            <a:normAutofit/>
+          </a:bodyPr>
+          <a:lstStyle/>
+          <a:p>
+            <a:pPr algn="ctr"/>
             <a:r>
               <a:rPr lang="en-US" dirty="0"/>
               <a:t>Include sine/cosine terms</a:t>
@@ -9199,10 +9227,98 @@
       </p:sp>
       <p:pic>
         <p:nvPicPr>
-          <p:cNvPr id="5122" name="Picture 2">
-            <a:extLst>
-              <a:ext uri="{FF2B5EF4-FFF2-40B4-BE49-F238E27FC236}">
-                <a16:creationId xmlns:a16="http://schemas.microsoft.com/office/drawing/2014/main" id="{391DAEEB-033B-DF4C-B6E8-C41AA20E3450}"/>
+          <p:cNvPr id="7" name="Picture 6">
+            <a:extLst>
+              <a:ext uri="{FF2B5EF4-FFF2-40B4-BE49-F238E27FC236}">
+                <a16:creationId xmlns:a16="http://schemas.microsoft.com/office/drawing/2014/main" id="{3E8B73F8-B8D4-34AF-D68C-5910BA95AAA0}"/>
+              </a:ext>
+            </a:extLst>
+          </p:cNvPr>
+          <p:cNvPicPr>
+            <a:picLocks noChangeAspect="1"/>
+          </p:cNvPicPr>
+          <p:nvPr/>
+        </p:nvPicPr>
+        <p:blipFill>
+          <a:blip r:embed="rId2"/>
+          <a:stretch>
+            <a:fillRect/>
+          </a:stretch>
+        </p:blipFill>
+        <p:spPr>
+          <a:xfrm>
+            <a:off x="1104138" y="937329"/>
+            <a:ext cx="5898694" cy="4206171"/>
+          </a:xfrm>
+          <a:prstGeom prst="rect">
+            <a:avLst/>
+          </a:prstGeom>
+        </p:spPr>
+      </p:pic>
+    </p:spTree>
+    <p:extLst>
+      <p:ext uri="{BB962C8B-B14F-4D97-AF65-F5344CB8AC3E}">
+        <p14:creationId xmlns:p14="http://schemas.microsoft.com/office/powerpoint/2010/main" val="3089215315"/>
+      </p:ext>
+    </p:extLst>
+  </p:cSld>
+  <p:clrMapOvr>
+    <a:masterClrMapping/>
+  </p:clrMapOvr>
+</p:sld>
+</file>
+
+<file path=ppt/slides/slide35.xml><?xml version="1.0" encoding="utf-8"?>
+<p:sld xmlns:a="http://schemas.openxmlformats.org/drawingml/2006/main" xmlns:r="http://schemas.openxmlformats.org/officeDocument/2006/relationships" xmlns:p="http://schemas.openxmlformats.org/presentationml/2006/main">
+  <p:cSld>
+    <p:spTree>
+      <p:nvGrpSpPr>
+        <p:cNvPr id="1" name=""/>
+        <p:cNvGrpSpPr/>
+        <p:nvPr/>
+      </p:nvGrpSpPr>
+      <p:grpSpPr>
+        <a:xfrm>
+          <a:off x="0" y="0"/>
+          <a:ext cx="0" cy="0"/>
+          <a:chOff x="0" y="0"/>
+          <a:chExt cx="0" cy="0"/>
+        </a:xfrm>
+      </p:grpSpPr>
+      <p:sp>
+        <p:nvSpPr>
+          <p:cNvPr id="2" name="Title 1">
+            <a:extLst>
+              <a:ext uri="{FF2B5EF4-FFF2-40B4-BE49-F238E27FC236}">
+                <a16:creationId xmlns:a16="http://schemas.microsoft.com/office/drawing/2014/main" id="{D56B2885-BE8D-8A45-AACF-2FEAD106F8CB}"/>
+              </a:ext>
+            </a:extLst>
+          </p:cNvPr>
+          <p:cNvSpPr>
+            <a:spLocks noGrp="1"/>
+          </p:cNvSpPr>
+          <p:nvPr>
+            <p:ph type="title"/>
+          </p:nvPr>
+        </p:nvSpPr>
+        <p:spPr/>
+        <p:txBody>
+          <a:bodyPr/>
+          <a:lstStyle/>
+          <a:p>
+            <a:r>
+              <a:rPr lang="en-US" dirty="0"/>
+              <a:t>Include sine/cosine terms</a:t>
+            </a:r>
+          </a:p>
+        </p:txBody>
+      </p:sp>
+      <p:pic>
+        <p:nvPicPr>
+          <p:cNvPr id="4098" name="Picture 2">
+            <a:extLst>
+              <a:ext uri="{FF2B5EF4-FFF2-40B4-BE49-F238E27FC236}">
+                <a16:creationId xmlns:a16="http://schemas.microsoft.com/office/drawing/2014/main" id="{54CE5FF0-2C97-B306-3A6A-E521021BBA63}"/>
               </a:ext>
             </a:extLst>
           </p:cNvPr>
@@ -9226,8 +9342,8 @@
         </p:blipFill>
         <p:spPr bwMode="auto">
           <a:xfrm>
-            <a:off x="1396456" y="1156606"/>
-            <a:ext cx="5699792" cy="3868239"/>
+            <a:off x="1309370" y="1120215"/>
+            <a:ext cx="5566918" cy="3749441"/>
           </a:xfrm>
           <a:prstGeom prst="rect">
             <a:avLst/>

--- a/slides/Week6.pptx
+++ b/slides/Week6.pptx
@@ -231,7 +231,7 @@
           <a:p>
             <a:fld id="{A0EF51DC-FFF8-B14E-9A81-DDA04A01B9C6}" type="datetimeFigureOut">
               <a:rPr lang="en-US" smtClean="0"/>
-              <a:t>2/13/23</a:t>
+              <a:t>2/14/23</a:t>
             </a:fld>
             <a:endParaRPr lang="en-US"/>
           </a:p>
@@ -813,7 +813,7 @@
           <a:p>
             <a:fld id="{951F334E-BB0B-2F4C-860B-AB91C4AFDE55}" type="datetimeFigureOut">
               <a:rPr lang="en-US" smtClean="0"/>
-              <a:t>2/13/23</a:t>
+              <a:t>2/14/23</a:t>
             </a:fld>
             <a:endParaRPr lang="en-US"/>
           </a:p>
@@ -1011,7 +1011,7 @@
           <a:p>
             <a:fld id="{951F334E-BB0B-2F4C-860B-AB91C4AFDE55}" type="datetimeFigureOut">
               <a:rPr lang="en-US" smtClean="0"/>
-              <a:t>2/13/23</a:t>
+              <a:t>2/14/23</a:t>
             </a:fld>
             <a:endParaRPr lang="en-US"/>
           </a:p>
@@ -1219,7 +1219,7 @@
           <a:p>
             <a:fld id="{951F334E-BB0B-2F4C-860B-AB91C4AFDE55}" type="datetimeFigureOut">
               <a:rPr lang="en-US" smtClean="0"/>
-              <a:t>2/13/23</a:t>
+              <a:t>2/14/23</a:t>
             </a:fld>
             <a:endParaRPr lang="en-US"/>
           </a:p>
@@ -1417,7 +1417,7 @@
           <a:p>
             <a:fld id="{951F334E-BB0B-2F4C-860B-AB91C4AFDE55}" type="datetimeFigureOut">
               <a:rPr lang="en-US" smtClean="0"/>
-              <a:t>2/13/23</a:t>
+              <a:t>2/14/23</a:t>
             </a:fld>
             <a:endParaRPr lang="en-US"/>
           </a:p>
@@ -1692,7 +1692,7 @@
           <a:p>
             <a:fld id="{951F334E-BB0B-2F4C-860B-AB91C4AFDE55}" type="datetimeFigureOut">
               <a:rPr lang="en-US" smtClean="0"/>
-              <a:t>2/13/23</a:t>
+              <a:t>2/14/23</a:t>
             </a:fld>
             <a:endParaRPr lang="en-US"/>
           </a:p>
@@ -1957,7 +1957,7 @@
           <a:p>
             <a:fld id="{951F334E-BB0B-2F4C-860B-AB91C4AFDE55}" type="datetimeFigureOut">
               <a:rPr lang="en-US" smtClean="0"/>
-              <a:t>2/13/23</a:t>
+              <a:t>2/14/23</a:t>
             </a:fld>
             <a:endParaRPr lang="en-US"/>
           </a:p>
@@ -2369,7 +2369,7 @@
           <a:p>
             <a:fld id="{951F334E-BB0B-2F4C-860B-AB91C4AFDE55}" type="datetimeFigureOut">
               <a:rPr lang="en-US" smtClean="0"/>
-              <a:t>2/13/23</a:t>
+              <a:t>2/14/23</a:t>
             </a:fld>
             <a:endParaRPr lang="en-US"/>
           </a:p>
@@ -2510,7 +2510,7 @@
           <a:p>
             <a:fld id="{951F334E-BB0B-2F4C-860B-AB91C4AFDE55}" type="datetimeFigureOut">
               <a:rPr lang="en-US" smtClean="0"/>
-              <a:t>2/13/23</a:t>
+              <a:t>2/14/23</a:t>
             </a:fld>
             <a:endParaRPr lang="en-US"/>
           </a:p>
@@ -2623,7 +2623,7 @@
           <a:p>
             <a:fld id="{951F334E-BB0B-2F4C-860B-AB91C4AFDE55}" type="datetimeFigureOut">
               <a:rPr lang="en-US" smtClean="0"/>
-              <a:t>2/13/23</a:t>
+              <a:t>2/14/23</a:t>
             </a:fld>
             <a:endParaRPr lang="en-US"/>
           </a:p>
@@ -2934,7 +2934,7 @@
           <a:p>
             <a:fld id="{951F334E-BB0B-2F4C-860B-AB91C4AFDE55}" type="datetimeFigureOut">
               <a:rPr lang="en-US" smtClean="0"/>
-              <a:t>2/13/23</a:t>
+              <a:t>2/14/23</a:t>
             </a:fld>
             <a:endParaRPr lang="en-US"/>
           </a:p>
@@ -3222,7 +3222,7 @@
           <a:p>
             <a:fld id="{951F334E-BB0B-2F4C-860B-AB91C4AFDE55}" type="datetimeFigureOut">
               <a:rPr lang="en-US" smtClean="0"/>
-              <a:t>2/13/23</a:t>
+              <a:t>2/14/23</a:t>
             </a:fld>
             <a:endParaRPr lang="en-US"/>
           </a:p>
@@ -3463,7 +3463,7 @@
           <a:p>
             <a:fld id="{951F334E-BB0B-2F4C-860B-AB91C4AFDE55}" type="datetimeFigureOut">
               <a:rPr lang="en-US" smtClean="0"/>
-              <a:t>2/13/23</a:t>
+              <a:t>2/14/23</a:t>
             </a:fld>
             <a:endParaRPr lang="en-US"/>
           </a:p>
@@ -3932,8 +3932,8 @@
         </p:nvSpPr>
         <p:spPr>
           <a:xfrm>
-            <a:off x="740229" y="1233182"/>
-            <a:ext cx="8112826" cy="3441455"/>
+            <a:off x="602206" y="897148"/>
+            <a:ext cx="8112826" cy="3699852"/>
           </a:xfrm>
         </p:spPr>
         <p:txBody>
@@ -3957,6 +3957,13 @@
             <a:pPr lvl="1"/>
             <a:r>
               <a:rPr lang="en-US" sz="1700" dirty="0"/>
+              <a:t>Midterm: Thursday, Feb 23 on Canvas</a:t>
+            </a:r>
+          </a:p>
+          <a:p>
+            <a:pPr lvl="1"/>
+            <a:r>
+              <a:rPr lang="en-US" sz="1700" dirty="0"/>
               <a:t>Open book; calculator allowed; 25 questions; time limit: 60 min (anytime of the day)</a:t>
             </a:r>
           </a:p>
@@ -3972,6 +3979,13 @@
             <a:r>
               <a:rPr lang="en-US" sz="1700" dirty="0"/>
               <a:t>Mid-term Review session on next Tuesday</a:t>
+            </a:r>
+          </a:p>
+          <a:p>
+            <a:pPr lvl="1"/>
+            <a:r>
+              <a:rPr lang="en-US" sz="1700" dirty="0"/>
+              <a:t>No new HW this week</a:t>
             </a:r>
           </a:p>
           <a:p>
